--- a/Case Study_Employee/Frito Lay_EDA2_Lani.Lewis.pptx
+++ b/Case Study_Employee/Frito Lay_EDA2_Lani.Lewis.pptx
@@ -21,15 +21,14 @@
     <p:sldId id="272" r:id="rId15"/>
     <p:sldId id="274" r:id="rId16"/>
     <p:sldId id="273" r:id="rId17"/>
-    <p:sldId id="283" r:id="rId18"/>
+    <p:sldId id="282" r:id="rId18"/>
     <p:sldId id="277" r:id="rId19"/>
     <p:sldId id="278" r:id="rId20"/>
     <p:sldId id="279" r:id="rId21"/>
-    <p:sldId id="282" r:id="rId22"/>
-    <p:sldId id="275" r:id="rId23"/>
-    <p:sldId id="281" r:id="rId24"/>
-    <p:sldId id="276" r:id="rId25"/>
-    <p:sldId id="261" r:id="rId26"/>
+    <p:sldId id="275" r:id="rId22"/>
+    <p:sldId id="281" r:id="rId23"/>
+    <p:sldId id="276" r:id="rId24"/>
+    <p:sldId id="261" r:id="rId25"/>
   </p:sldIdLst>
   <p:sldSz cx="12192000" cy="6858000"/>
   <p:notesSz cx="6858000" cy="9144000"/>
@@ -128,15 +127,12 @@
       </a:defRPr>
     </a:lvl9pPr>
   </p:defaultTextStyle>
+  <p:extLst>
+    <p:ext uri="{EFAFB233-063F-42B5-8137-9DF3F51BA10A}">
+      <p15:sldGuideLst xmlns:p15="http://schemas.microsoft.com/office/powerpoint/2012/main"/>
+    </p:ext>
+  </p:extLst>
 </p:presentation>
-</file>
-
-<file path=ppt/revisionInfo.xml><?xml version="1.0" encoding="utf-8"?>
-<p1510:revInfo xmlns:a="http://schemas.openxmlformats.org/drawingml/2006/main" xmlns:r="http://schemas.openxmlformats.org/officeDocument/2006/relationships" xmlns:p1510="http://schemas.microsoft.com/office/powerpoint/2015/10/main">
-  <p1510:revLst>
-    <p1510:client id="{00DAB163-5D6E-40CE-94CA-A138657969A1}" v="84" dt="2023-04-02T23:19:51.089"/>
-  </p1510:revLst>
-</p1510:revInfo>
 </file>
 
 <file path=ppt/changesInfos/changesInfo1.xml><?xml version="1.0" encoding="utf-8"?>
@@ -1653,6 +1649,106 @@
       </pc:sldChg>
     </pc:docChg>
   </pc:docChgLst>
+  <pc:docChgLst>
+    <pc:chgData name="Lani Lewis" userId="4c78bc5b-421d-4c94-a31d-da9573f100f0" providerId="ADAL" clId="{D0F9469B-D2C3-4921-9A78-231F3D9D8A85}"/>
+    <pc:docChg chg="undo redo custSel addSld delSld modSld sldOrd">
+      <pc:chgData name="Lani Lewis" userId="4c78bc5b-421d-4c94-a31d-da9573f100f0" providerId="ADAL" clId="{D0F9469B-D2C3-4921-9A78-231F3D9D8A85}" dt="2023-04-15T15:45:28.500" v="61"/>
+      <pc:docMkLst>
+        <pc:docMk/>
+      </pc:docMkLst>
+      <pc:sldChg chg="addSp modSp mod">
+        <pc:chgData name="Lani Lewis" userId="4c78bc5b-421d-4c94-a31d-da9573f100f0" providerId="ADAL" clId="{D0F9469B-D2C3-4921-9A78-231F3D9D8A85}" dt="2023-04-15T14:57:06.135" v="30" actId="1076"/>
+        <pc:sldMkLst>
+          <pc:docMk/>
+          <pc:sldMk cId="1461628771" sldId="259"/>
+        </pc:sldMkLst>
+        <pc:spChg chg="add mod">
+          <ac:chgData name="Lani Lewis" userId="4c78bc5b-421d-4c94-a31d-da9573f100f0" providerId="ADAL" clId="{D0F9469B-D2C3-4921-9A78-231F3D9D8A85}" dt="2023-04-15T14:56:25.528" v="26" actId="1076"/>
+          <ac:spMkLst>
+            <pc:docMk/>
+            <pc:sldMk cId="1461628771" sldId="259"/>
+            <ac:spMk id="2" creationId="{15200842-F657-34B9-7646-9DC16F3F57B8}"/>
+          </ac:spMkLst>
+        </pc:spChg>
+        <pc:spChg chg="mod">
+          <ac:chgData name="Lani Lewis" userId="4c78bc5b-421d-4c94-a31d-da9573f100f0" providerId="ADAL" clId="{D0F9469B-D2C3-4921-9A78-231F3D9D8A85}" dt="2023-04-15T14:56:17.887" v="25" actId="1076"/>
+          <ac:spMkLst>
+            <pc:docMk/>
+            <pc:sldMk cId="1461628771" sldId="259"/>
+            <ac:spMk id="4" creationId="{F63536AF-9157-A484-4B79-ED54A3603C72}"/>
+          </ac:spMkLst>
+        </pc:spChg>
+        <pc:spChg chg="mod">
+          <ac:chgData name="Lani Lewis" userId="4c78bc5b-421d-4c94-a31d-da9573f100f0" providerId="ADAL" clId="{D0F9469B-D2C3-4921-9A78-231F3D9D8A85}" dt="2023-04-15T14:56:33.071" v="27" actId="1076"/>
+          <ac:spMkLst>
+            <pc:docMk/>
+            <pc:sldMk cId="1461628771" sldId="259"/>
+            <ac:spMk id="5" creationId="{6835EFCC-9F52-360F-6E8A-BE4A224CD967}"/>
+          </ac:spMkLst>
+        </pc:spChg>
+        <pc:spChg chg="mod">
+          <ac:chgData name="Lani Lewis" userId="4c78bc5b-421d-4c94-a31d-da9573f100f0" providerId="ADAL" clId="{D0F9469B-D2C3-4921-9A78-231F3D9D8A85}" dt="2023-04-15T14:56:38.959" v="28" actId="1076"/>
+          <ac:spMkLst>
+            <pc:docMk/>
+            <pc:sldMk cId="1461628771" sldId="259"/>
+            <ac:spMk id="7" creationId="{86A9548B-C9A9-AAFF-5CC6-CF70C1FFD2E8}"/>
+          </ac:spMkLst>
+        </pc:spChg>
+        <pc:spChg chg="mod">
+          <ac:chgData name="Lani Lewis" userId="4c78bc5b-421d-4c94-a31d-da9573f100f0" providerId="ADAL" clId="{D0F9469B-D2C3-4921-9A78-231F3D9D8A85}" dt="2023-04-15T14:56:52.931" v="29" actId="1076"/>
+          <ac:spMkLst>
+            <pc:docMk/>
+            <pc:sldMk cId="1461628771" sldId="259"/>
+            <ac:spMk id="8" creationId="{EB50F90C-D303-9237-19CB-51476AC53A5F}"/>
+          </ac:spMkLst>
+        </pc:spChg>
+        <pc:spChg chg="mod">
+          <ac:chgData name="Lani Lewis" userId="4c78bc5b-421d-4c94-a31d-da9573f100f0" providerId="ADAL" clId="{D0F9469B-D2C3-4921-9A78-231F3D9D8A85}" dt="2023-04-15T14:57:06.135" v="30" actId="1076"/>
+          <ac:spMkLst>
+            <pc:docMk/>
+            <pc:sldMk cId="1461628771" sldId="259"/>
+            <ac:spMk id="9" creationId="{846852CB-380D-B664-A47B-650BDF129A1D}"/>
+          </ac:spMkLst>
+        </pc:spChg>
+      </pc:sldChg>
+      <pc:sldChg chg="addSp modSp mod">
+        <pc:chgData name="Lani Lewis" userId="4c78bc5b-421d-4c94-a31d-da9573f100f0" providerId="ADAL" clId="{D0F9469B-D2C3-4921-9A78-231F3D9D8A85}" dt="2023-04-15T15:44:10.709" v="58" actId="1076"/>
+        <pc:sldMkLst>
+          <pc:docMk/>
+          <pc:sldMk cId="2531365058" sldId="270"/>
+        </pc:sldMkLst>
+        <pc:spChg chg="add mod">
+          <ac:chgData name="Lani Lewis" userId="4c78bc5b-421d-4c94-a31d-da9573f100f0" providerId="ADAL" clId="{D0F9469B-D2C3-4921-9A78-231F3D9D8A85}" dt="2023-04-15T15:44:10.709" v="58" actId="1076"/>
+          <ac:spMkLst>
+            <pc:docMk/>
+            <pc:sldMk cId="2531365058" sldId="270"/>
+            <ac:spMk id="2" creationId="{3841052A-F06D-9DB9-FAB6-A2FD38FBE123}"/>
+          </ac:spMkLst>
+        </pc:spChg>
+      </pc:sldChg>
+      <pc:sldChg chg="ord">
+        <pc:chgData name="Lani Lewis" userId="4c78bc5b-421d-4c94-a31d-da9573f100f0" providerId="ADAL" clId="{D0F9469B-D2C3-4921-9A78-231F3D9D8A85}" dt="2023-04-15T15:45:28.500" v="61"/>
+        <pc:sldMkLst>
+          <pc:docMk/>
+          <pc:sldMk cId="2424696967" sldId="282"/>
+        </pc:sldMkLst>
+      </pc:sldChg>
+      <pc:sldChg chg="del">
+        <pc:chgData name="Lani Lewis" userId="4c78bc5b-421d-4c94-a31d-da9573f100f0" providerId="ADAL" clId="{D0F9469B-D2C3-4921-9A78-231F3D9D8A85}" dt="2023-04-15T15:44:50.108" v="59" actId="47"/>
+        <pc:sldMkLst>
+          <pc:docMk/>
+          <pc:sldMk cId="1337760651" sldId="283"/>
+        </pc:sldMkLst>
+      </pc:sldChg>
+      <pc:sldChg chg="new del">
+        <pc:chgData name="Lani Lewis" userId="4c78bc5b-421d-4c94-a31d-da9573f100f0" providerId="ADAL" clId="{D0F9469B-D2C3-4921-9A78-231F3D9D8A85}" dt="2023-04-15T15:14:27.870" v="32" actId="680"/>
+        <pc:sldMkLst>
+          <pc:docMk/>
+          <pc:sldMk cId="560105749" sldId="284"/>
+        </pc:sldMkLst>
+      </pc:sldChg>
+    </pc:docChg>
+  </pc:docChgLst>
 </pc:chgInfo>
 </file>
 
@@ -3065,7 +3161,7 @@
           <a:p>
             <a:fld id="{0A0EFF3B-A326-40F4-A949-D9DB26B0E0CD}" type="datetimeFigureOut">
               <a:rPr lang="en-US" smtClean="0"/>
-              <a:t>4/1/2023</a:t>
+              <a:t>4/15/2023</a:t>
             </a:fld>
             <a:endParaRPr lang="en-US"/>
           </a:p>
@@ -4524,7 +4620,7 @@
           <a:p>
             <a:fld id="{0A0EFF3B-A326-40F4-A949-D9DB26B0E0CD}" type="datetimeFigureOut">
               <a:rPr lang="en-US" smtClean="0"/>
-              <a:t>4/1/2023</a:t>
+              <a:t>4/15/2023</a:t>
             </a:fld>
             <a:endParaRPr lang="en-US"/>
           </a:p>
@@ -5977,7 +6073,7 @@
           <a:p>
             <a:fld id="{0A0EFF3B-A326-40F4-A949-D9DB26B0E0CD}" type="datetimeFigureOut">
               <a:rPr lang="en-US" smtClean="0"/>
-              <a:t>4/1/2023</a:t>
+              <a:t>4/15/2023</a:t>
             </a:fld>
             <a:endParaRPr lang="en-US"/>
           </a:p>
@@ -7432,7 +7528,7 @@
           <a:p>
             <a:fld id="{0A0EFF3B-A326-40F4-A949-D9DB26B0E0CD}" type="datetimeFigureOut">
               <a:rPr lang="en-US" smtClean="0"/>
-              <a:t>4/1/2023</a:t>
+              <a:t>4/15/2023</a:t>
             </a:fld>
             <a:endParaRPr lang="en-US"/>
           </a:p>
@@ -8940,7 +9036,7 @@
           <a:p>
             <a:fld id="{0A0EFF3B-A326-40F4-A949-D9DB26B0E0CD}" type="datetimeFigureOut">
               <a:rPr lang="en-US" smtClean="0"/>
-              <a:t>4/1/2023</a:t>
+              <a:t>4/15/2023</a:t>
             </a:fld>
             <a:endParaRPr lang="en-US"/>
           </a:p>
@@ -10461,7 +10557,7 @@
           <a:p>
             <a:fld id="{0A0EFF3B-A326-40F4-A949-D9DB26B0E0CD}" type="datetimeFigureOut">
               <a:rPr lang="en-US" smtClean="0"/>
-              <a:t>4/1/2023</a:t>
+              <a:t>4/15/2023</a:t>
             </a:fld>
             <a:endParaRPr lang="en-US"/>
           </a:p>
@@ -12126,7 +12222,7 @@
           <a:p>
             <a:fld id="{0A0EFF3B-A326-40F4-A949-D9DB26B0E0CD}" type="datetimeFigureOut">
               <a:rPr lang="en-US" smtClean="0"/>
-              <a:t>4/1/2023</a:t>
+              <a:t>4/15/2023</a:t>
             </a:fld>
             <a:endParaRPr lang="en-US"/>
           </a:p>
@@ -13524,7 +13620,7 @@
           <a:p>
             <a:fld id="{0A0EFF3B-A326-40F4-A949-D9DB26B0E0CD}" type="datetimeFigureOut">
               <a:rPr lang="en-US" smtClean="0"/>
-              <a:t>4/1/2023</a:t>
+              <a:t>4/15/2023</a:t>
             </a:fld>
             <a:endParaRPr lang="en-US"/>
           </a:p>
@@ -13624,7 +13720,7 @@
           <a:p>
             <a:fld id="{0A0EFF3B-A326-40F4-A949-D9DB26B0E0CD}" type="datetimeFigureOut">
               <a:rPr lang="en-US" smtClean="0"/>
-              <a:t>4/1/2023</a:t>
+              <a:t>4/15/2023</a:t>
             </a:fld>
             <a:endParaRPr lang="en-US"/>
           </a:p>
@@ -15150,7 +15246,7 @@
           <a:p>
             <a:fld id="{0A0EFF3B-A326-40F4-A949-D9DB26B0E0CD}" type="datetimeFigureOut">
               <a:rPr lang="en-US" smtClean="0"/>
-              <a:t>4/1/2023</a:t>
+              <a:t>4/15/2023</a:t>
             </a:fld>
             <a:endParaRPr lang="en-US"/>
           </a:p>
@@ -16686,7 +16782,7 @@
           <a:p>
             <a:fld id="{0A0EFF3B-A326-40F4-A949-D9DB26B0E0CD}" type="datetimeFigureOut">
               <a:rPr lang="en-US" smtClean="0"/>
-              <a:t>4/1/2023</a:t>
+              <a:t>4/15/2023</a:t>
             </a:fld>
             <a:endParaRPr lang="en-US"/>
           </a:p>
@@ -16909,7 +17005,7 @@
           <a:p>
             <a:fld id="{0A0EFF3B-A326-40F4-A949-D9DB26B0E0CD}" type="datetimeFigureOut">
               <a:rPr lang="en-US" smtClean="0"/>
-              <a:t>4/1/2023</a:t>
+              <a:t>4/15/2023</a:t>
             </a:fld>
             <a:endParaRPr lang="en-US"/>
           </a:p>
@@ -18761,7 +18857,6 @@
       <p:bgPr>
         <a:blipFill dpi="0" rotWithShape="1">
           <a:blip r:embed="rId2">
-            <a:alphaModFix amt="22000"/>
             <a:lum/>
           </a:blip>
           <a:srcRect/>
@@ -18788,224 +18883,28 @@
       </p:grpSpPr>
       <p:sp>
         <p:nvSpPr>
-          <p:cNvPr id="9" name="TextBox 8">
+          <p:cNvPr id="2" name="Title 1">
             <a:extLst>
               <a:ext uri="{FF2B5EF4-FFF2-40B4-BE49-F238E27FC236}">
-                <a16:creationId xmlns:a16="http://schemas.microsoft.com/office/drawing/2014/main" id="{37C75C62-42C1-74BA-A0AE-C772F3C88AC3}"/>
+                <a16:creationId xmlns:a16="http://schemas.microsoft.com/office/drawing/2014/main" id="{5FEBF4CC-4544-1227-0C9A-4F561884DE70}"/>
               </a:ext>
             </a:extLst>
           </p:cNvPr>
-          <p:cNvSpPr txBox="1"/>
-          <p:nvPr/>
+          <p:cNvSpPr>
+            <a:spLocks noGrp="1"/>
+          </p:cNvSpPr>
+          <p:nvPr>
+            <p:ph type="ctrTitle"/>
+          </p:nvPr>
         </p:nvSpPr>
-        <p:spPr>
-          <a:xfrm>
-            <a:off x="757311" y="297866"/>
-            <a:ext cx="10677378" cy="646331"/>
-          </a:xfrm>
-          <a:prstGeom prst="rect">
-            <a:avLst/>
-          </a:prstGeom>
-          <a:noFill/>
-        </p:spPr>
+        <p:spPr/>
         <p:txBody>
-          <a:bodyPr wrap="square" rtlCol="0">
-            <a:spAutoFit/>
-          </a:bodyPr>
-          <a:lstStyle/>
-          <a:p>
-            <a:pPr algn="ctr"/>
-            <a:r>
-              <a:rPr lang="en-US" sz="3600" dirty="0">
-                <a:solidFill>
-                  <a:srgbClr val="FF0000"/>
-                </a:solidFill>
-                <a:latin typeface="Arial Rounded MT Bold" panose="020F0704030504030204" pitchFamily="34" charset="0"/>
-              </a:rPr>
-              <a:t>Generation X | 1965 - 1980</a:t>
-            </a:r>
-          </a:p>
-        </p:txBody>
-      </p:sp>
-      <p:pic>
-        <p:nvPicPr>
-          <p:cNvPr id="14" name="Picture 13">
-            <a:extLst>
-              <a:ext uri="{FF2B5EF4-FFF2-40B4-BE49-F238E27FC236}">
-                <a16:creationId xmlns:a16="http://schemas.microsoft.com/office/drawing/2014/main" id="{0F6C8914-00F5-F1B6-55C3-593C8DC4327C}"/>
-              </a:ext>
-            </a:extLst>
-          </p:cNvPr>
-          <p:cNvPicPr>
-            <a:picLocks noChangeAspect="1"/>
-          </p:cNvPicPr>
-          <p:nvPr/>
-        </p:nvPicPr>
-        <p:blipFill>
-          <a:blip r:embed="rId3"/>
-          <a:stretch>
-            <a:fillRect/>
-          </a:stretch>
-        </p:blipFill>
-        <p:spPr>
-          <a:xfrm>
-            <a:off x="168138" y="1667053"/>
-            <a:ext cx="5710012" cy="3523893"/>
-          </a:xfrm>
-          <a:prstGeom prst="rect">
-            <a:avLst/>
-          </a:prstGeom>
-        </p:spPr>
-      </p:pic>
-      <p:pic>
-        <p:nvPicPr>
-          <p:cNvPr id="15" name="Picture 14">
-            <a:extLst>
-              <a:ext uri="{FF2B5EF4-FFF2-40B4-BE49-F238E27FC236}">
-                <a16:creationId xmlns:a16="http://schemas.microsoft.com/office/drawing/2014/main" id="{6DF2806F-9A93-BE35-9398-7025B56B83DF}"/>
-              </a:ext>
-            </a:extLst>
-          </p:cNvPr>
-          <p:cNvPicPr>
-            <a:picLocks noChangeAspect="1"/>
-          </p:cNvPicPr>
-          <p:nvPr/>
-        </p:nvPicPr>
-        <p:blipFill>
-          <a:blip r:embed="rId4"/>
-          <a:stretch>
-            <a:fillRect/>
-          </a:stretch>
-        </p:blipFill>
-        <p:spPr>
-          <a:xfrm>
-            <a:off x="6312174" y="1667053"/>
-            <a:ext cx="5711688" cy="3524927"/>
-          </a:xfrm>
-          <a:prstGeom prst="rect">
-            <a:avLst/>
-          </a:prstGeom>
-        </p:spPr>
-      </p:pic>
-      <p:sp>
-        <p:nvSpPr>
-          <p:cNvPr id="20" name="TextBox 19">
-            <a:extLst>
-              <a:ext uri="{FF2B5EF4-FFF2-40B4-BE49-F238E27FC236}">
-                <a16:creationId xmlns:a16="http://schemas.microsoft.com/office/drawing/2014/main" id="{B871DC8B-23B7-B682-3D7C-AA4930EFCA36}"/>
-              </a:ext>
-            </a:extLst>
-          </p:cNvPr>
-          <p:cNvSpPr txBox="1"/>
-          <p:nvPr/>
-        </p:nvSpPr>
-        <p:spPr>
-          <a:xfrm>
-            <a:off x="3335568" y="1078446"/>
-            <a:ext cx="5711687" cy="369332"/>
-          </a:xfrm>
-          <a:prstGeom prst="rect">
-            <a:avLst/>
-          </a:prstGeom>
-          <a:noFill/>
-        </p:spPr>
-        <p:txBody>
-          <a:bodyPr wrap="square">
-            <a:spAutoFit/>
-          </a:bodyPr>
+          <a:bodyPr/>
           <a:lstStyle/>
           <a:p>
             <a:r>
               <a:rPr lang="en-US" dirty="0"/>
-              <a:t>Expect their competence and skills to be respected</a:t>
-            </a:r>
-          </a:p>
-        </p:txBody>
-      </p:sp>
-      <p:sp>
-        <p:nvSpPr>
-          <p:cNvPr id="22" name="TextBox 21">
-            <a:extLst>
-              <a:ext uri="{FF2B5EF4-FFF2-40B4-BE49-F238E27FC236}">
-                <a16:creationId xmlns:a16="http://schemas.microsoft.com/office/drawing/2014/main" id="{40D89616-8C7A-15DA-2723-52E87962906C}"/>
-              </a:ext>
-            </a:extLst>
-          </p:cNvPr>
-          <p:cNvSpPr txBox="1"/>
-          <p:nvPr/>
-        </p:nvSpPr>
-        <p:spPr>
-          <a:xfrm>
-            <a:off x="3335568" y="6653673"/>
-            <a:ext cx="6308035" cy="230832"/>
-          </a:xfrm>
-          <a:prstGeom prst="rect">
-            <a:avLst/>
-          </a:prstGeom>
-          <a:noFill/>
-        </p:spPr>
-        <p:txBody>
-          <a:bodyPr wrap="square">
-            <a:spAutoFit/>
-          </a:bodyPr>
-          <a:lstStyle/>
-          <a:p>
-            <a:r>
-              <a:rPr lang="en-US" sz="900" dirty="0">
-                <a:solidFill>
-                  <a:srgbClr val="FF0000"/>
-                </a:solidFill>
-              </a:rPr>
-              <a:t>https://www.shrm.org/resourcesandtools/hr-topics/global-hr/pages/generational-mindsets-affect-workforce.aspx </a:t>
-            </a:r>
-          </a:p>
-        </p:txBody>
-      </p:sp>
-      <p:sp>
-        <p:nvSpPr>
-          <p:cNvPr id="3" name="Rectangle 2">
-            <a:extLst>
-              <a:ext uri="{FF2B5EF4-FFF2-40B4-BE49-F238E27FC236}">
-                <a16:creationId xmlns:a16="http://schemas.microsoft.com/office/drawing/2014/main" id="{9862C3BA-74F1-56D6-69A7-FD407858942D}"/>
-              </a:ext>
-            </a:extLst>
-          </p:cNvPr>
-          <p:cNvSpPr/>
-          <p:nvPr/>
-        </p:nvSpPr>
-        <p:spPr>
-          <a:xfrm>
-            <a:off x="4472609" y="5516237"/>
-            <a:ext cx="3246781" cy="795130"/>
-          </a:xfrm>
-          <a:prstGeom prst="rect">
-            <a:avLst/>
-          </a:prstGeom>
-        </p:spPr>
-        <p:style>
-          <a:lnRef idx="2">
-            <a:schemeClr val="accent1">
-              <a:shade val="50000"/>
-            </a:schemeClr>
-          </a:lnRef>
-          <a:fillRef idx="1">
-            <a:schemeClr val="accent1"/>
-          </a:fillRef>
-          <a:effectRef idx="0">
-            <a:schemeClr val="accent1"/>
-          </a:effectRef>
-          <a:fontRef idx="minor">
-            <a:schemeClr val="lt1"/>
-          </a:fontRef>
-        </p:style>
-        <p:txBody>
-          <a:bodyPr rtlCol="0" anchor="ctr"/>
-          <a:lstStyle/>
-          <a:p>
-            <a:pPr algn="ctr"/>
-            <a:r>
-              <a:rPr lang="en-US" sz="3600" dirty="0"/>
-              <a:t>Avoid Burnout</a:t>
+              <a:t>Conclusion</a:t>
             </a:r>
           </a:p>
         </p:txBody>
@@ -19013,7 +18912,7 @@
     </p:spTree>
     <p:extLst>
       <p:ext uri="{BB962C8B-B14F-4D97-AF65-F5344CB8AC3E}">
-        <p14:creationId xmlns:p14="http://schemas.microsoft.com/office/powerpoint/2010/main" val="1337760651"/>
+        <p14:creationId xmlns:p14="http://schemas.microsoft.com/office/powerpoint/2010/main" val="2424696967"/>
       </p:ext>
     </p:extLst>
   </p:cSld>
@@ -19371,7 +19270,7 @@
         </p:nvSpPr>
         <p:spPr>
           <a:xfrm>
-            <a:off x="4499316" y="2940147"/>
+            <a:off x="4499314" y="847576"/>
             <a:ext cx="3193367" cy="1294227"/>
           </a:xfrm>
           <a:prstGeom prst="rect">
@@ -19426,7 +19325,7 @@
         </p:nvSpPr>
         <p:spPr>
           <a:xfrm>
-            <a:off x="365758" y="1494690"/>
+            <a:off x="274320" y="1807697"/>
             <a:ext cx="3530990" cy="626013"/>
           </a:xfrm>
           <a:prstGeom prst="rect">
@@ -19489,7 +19388,7 @@
         </p:nvSpPr>
         <p:spPr>
           <a:xfrm>
-            <a:off x="8295253" y="1494691"/>
+            <a:off x="8386685" y="2141803"/>
             <a:ext cx="2466534" cy="626013"/>
           </a:xfrm>
           <a:prstGeom prst="rect">
@@ -19552,7 +19451,7 @@
         </p:nvSpPr>
         <p:spPr>
           <a:xfrm>
-            <a:off x="1041009" y="5423094"/>
+            <a:off x="2806503" y="4441357"/>
             <a:ext cx="1997613" cy="626013"/>
           </a:xfrm>
           <a:prstGeom prst="rect">
@@ -19635,7 +19534,7 @@
         </p:nvSpPr>
         <p:spPr>
           <a:xfrm>
-            <a:off x="9003323" y="5423094"/>
+            <a:off x="9755939" y="4754363"/>
             <a:ext cx="2194560" cy="626014"/>
           </a:xfrm>
           <a:prstGeom prst="rect">
@@ -19743,6 +19642,55 @@
           </a:p>
         </p:txBody>
       </p:sp>
+      <p:sp>
+        <p:nvSpPr>
+          <p:cNvPr id="2" name="Rectangle 1">
+            <a:extLst>
+              <a:ext uri="{FF2B5EF4-FFF2-40B4-BE49-F238E27FC236}">
+                <a16:creationId xmlns:a16="http://schemas.microsoft.com/office/drawing/2014/main" id="{15200842-F657-34B9-7646-9DC16F3F57B8}"/>
+              </a:ext>
+            </a:extLst>
+          </p:cNvPr>
+          <p:cNvSpPr/>
+          <p:nvPr/>
+        </p:nvSpPr>
+        <p:spPr>
+          <a:xfrm>
+            <a:off x="5035823" y="3273287"/>
+            <a:ext cx="2120347" cy="805070"/>
+          </a:xfrm>
+          <a:prstGeom prst="rect">
+            <a:avLst/>
+          </a:prstGeom>
+        </p:spPr>
+        <p:style>
+          <a:lnRef idx="2">
+            <a:schemeClr val="accent1">
+              <a:shade val="50000"/>
+            </a:schemeClr>
+          </a:lnRef>
+          <a:fillRef idx="1">
+            <a:schemeClr val="accent1"/>
+          </a:fillRef>
+          <a:effectRef idx="0">
+            <a:schemeClr val="accent1"/>
+          </a:effectRef>
+          <a:fontRef idx="minor">
+            <a:schemeClr val="lt1"/>
+          </a:fontRef>
+        </p:style>
+        <p:txBody>
+          <a:bodyPr rtlCol="0" anchor="ctr"/>
+          <a:lstStyle/>
+          <a:p>
+            <a:pPr algn="ctr"/>
+            <a:r>
+              <a:rPr lang="en-US" dirty="0"/>
+              <a:t>20% Employee Attrition</a:t>
+            </a:r>
+          </a:p>
+        </p:txBody>
+      </p:sp>
     </p:spTree>
     <p:extLst>
       <p:ext uri="{BB962C8B-B14F-4D97-AF65-F5344CB8AC3E}">
@@ -19908,78 +19856,6 @@
 </file>
 
 <file path=ppt/slides/slide21.xml><?xml version="1.0" encoding="utf-8"?>
-<p:sld xmlns:a="http://schemas.openxmlformats.org/drawingml/2006/main" xmlns:r="http://schemas.openxmlformats.org/officeDocument/2006/relationships" xmlns:p="http://schemas.openxmlformats.org/presentationml/2006/main">
-  <p:cSld>
-    <p:bg>
-      <p:bgPr>
-        <a:blipFill dpi="0" rotWithShape="1">
-          <a:blip r:embed="rId2">
-            <a:lum/>
-          </a:blip>
-          <a:srcRect/>
-          <a:stretch>
-            <a:fillRect l="-3000" r="-3000"/>
-          </a:stretch>
-        </a:blipFill>
-        <a:effectLst/>
-      </p:bgPr>
-    </p:bg>
-    <p:spTree>
-      <p:nvGrpSpPr>
-        <p:cNvPr id="1" name=""/>
-        <p:cNvGrpSpPr/>
-        <p:nvPr/>
-      </p:nvGrpSpPr>
-      <p:grpSpPr>
-        <a:xfrm>
-          <a:off x="0" y="0"/>
-          <a:ext cx="0" cy="0"/>
-          <a:chOff x="0" y="0"/>
-          <a:chExt cx="0" cy="0"/>
-        </a:xfrm>
-      </p:grpSpPr>
-      <p:sp>
-        <p:nvSpPr>
-          <p:cNvPr id="2" name="Title 1">
-            <a:extLst>
-              <a:ext uri="{FF2B5EF4-FFF2-40B4-BE49-F238E27FC236}">
-                <a16:creationId xmlns:a16="http://schemas.microsoft.com/office/drawing/2014/main" id="{5FEBF4CC-4544-1227-0C9A-4F561884DE70}"/>
-              </a:ext>
-            </a:extLst>
-          </p:cNvPr>
-          <p:cNvSpPr>
-            <a:spLocks noGrp="1"/>
-          </p:cNvSpPr>
-          <p:nvPr>
-            <p:ph type="ctrTitle"/>
-          </p:nvPr>
-        </p:nvSpPr>
-        <p:spPr/>
-        <p:txBody>
-          <a:bodyPr/>
-          <a:lstStyle/>
-          <a:p>
-            <a:r>
-              <a:rPr lang="en-US" dirty="0"/>
-              <a:t>Conclusion</a:t>
-            </a:r>
-          </a:p>
-        </p:txBody>
-      </p:sp>
-    </p:spTree>
-    <p:extLst>
-      <p:ext uri="{BB962C8B-B14F-4D97-AF65-F5344CB8AC3E}">
-        <p14:creationId xmlns:p14="http://schemas.microsoft.com/office/powerpoint/2010/main" val="2424696967"/>
-      </p:ext>
-    </p:extLst>
-  </p:cSld>
-  <p:clrMapOvr>
-    <a:masterClrMapping/>
-  </p:clrMapOvr>
-</p:sld>
-</file>
-
-<file path=ppt/slides/slide22.xml><?xml version="1.0" encoding="utf-8"?>
 <p:sld xmlns:a="http://schemas.openxmlformats.org/drawingml/2006/main" xmlns:r="http://schemas.openxmlformats.org/officeDocument/2006/relationships" xmlns:p="http://schemas.openxmlformats.org/presentationml/2006/main">
   <p:cSld>
     <p:bg>
@@ -20212,7 +20088,7 @@
 </p:sld>
 </file>
 
-<file path=ppt/slides/slide23.xml><?xml version="1.0" encoding="utf-8"?>
+<file path=ppt/slides/slide22.xml><?xml version="1.0" encoding="utf-8"?>
 <p:sld xmlns:a="http://schemas.openxmlformats.org/drawingml/2006/main" xmlns:r="http://schemas.openxmlformats.org/officeDocument/2006/relationships" xmlns:p="http://schemas.openxmlformats.org/presentationml/2006/main">
   <p:cSld>
     <p:bg>
@@ -20494,7 +20370,7 @@
 </p:sld>
 </file>
 
-<file path=ppt/slides/slide24.xml><?xml version="1.0" encoding="utf-8"?>
+<file path=ppt/slides/slide23.xml><?xml version="1.0" encoding="utf-8"?>
 <p:sld xmlns:a="http://schemas.openxmlformats.org/drawingml/2006/main" xmlns:r="http://schemas.openxmlformats.org/officeDocument/2006/relationships" xmlns:p="http://schemas.openxmlformats.org/presentationml/2006/main">
   <p:cSld>
     <p:bg>
@@ -20776,7 +20652,7 @@
 </p:sld>
 </file>
 
-<file path=ppt/slides/slide25.xml><?xml version="1.0" encoding="utf-8"?>
+<file path=ppt/slides/slide24.xml><?xml version="1.0" encoding="utf-8"?>
 <p:sld xmlns:a="http://schemas.openxmlformats.org/drawingml/2006/main" xmlns:r="http://schemas.openxmlformats.org/officeDocument/2006/relationships" xmlns:p="http://schemas.openxmlformats.org/presentationml/2006/main">
   <p:cSld>
     <p:bg>
@@ -22119,6 +21995,55 @@
           </a:prstGeom>
         </p:spPr>
       </p:pic>
+      <p:sp>
+        <p:nvSpPr>
+          <p:cNvPr id="2" name="Rectangle 1">
+            <a:extLst>
+              <a:ext uri="{FF2B5EF4-FFF2-40B4-BE49-F238E27FC236}">
+                <a16:creationId xmlns:a16="http://schemas.microsoft.com/office/drawing/2014/main" id="{3841052A-F06D-9DB9-FAB6-A2FD38FBE123}"/>
+              </a:ext>
+            </a:extLst>
+          </p:cNvPr>
+          <p:cNvSpPr/>
+          <p:nvPr/>
+        </p:nvSpPr>
+        <p:spPr>
+          <a:xfrm>
+            <a:off x="5400261" y="5618921"/>
+            <a:ext cx="1391478" cy="808691"/>
+          </a:xfrm>
+          <a:prstGeom prst="rect">
+            <a:avLst/>
+          </a:prstGeom>
+        </p:spPr>
+        <p:style>
+          <a:lnRef idx="2">
+            <a:schemeClr val="accent1">
+              <a:shade val="50000"/>
+            </a:schemeClr>
+          </a:lnRef>
+          <a:fillRef idx="1">
+            <a:schemeClr val="accent1"/>
+          </a:fillRef>
+          <a:effectRef idx="0">
+            <a:schemeClr val="accent1"/>
+          </a:effectRef>
+          <a:fontRef idx="minor">
+            <a:schemeClr val="lt1"/>
+          </a:fontRef>
+        </p:style>
+        <p:txBody>
+          <a:bodyPr rtlCol="0" anchor="ctr"/>
+          <a:lstStyle/>
+          <a:p>
+            <a:pPr algn="ctr"/>
+            <a:r>
+              <a:rPr lang="en-US" dirty="0"/>
+              <a:t>23 Years Average</a:t>
+            </a:r>
+          </a:p>
+        </p:txBody>
+      </p:sp>
     </p:spTree>
     <p:extLst>
       <p:ext uri="{BB962C8B-B14F-4D97-AF65-F5344CB8AC3E}">
